--- a/slides/ppt-kverse.pptx
+++ b/slides/ppt-kverse.pptx
@@ -6,10 +6,10 @@
   </p:sldMasterIdLst>
   <p:sldIdLst>
     <p:sldId id="256" r:id="rId2"/>
-    <p:sldId id="257" r:id="rId3"/>
-    <p:sldId id="258" r:id="rId4"/>
-    <p:sldId id="259" r:id="rId5"/>
-    <p:sldId id="260" r:id="rId6"/>
+    <p:sldId id="258" r:id="rId3"/>
+    <p:sldId id="257" r:id="rId4"/>
+    <p:sldId id="260" r:id="rId5"/>
+    <p:sldId id="259" r:id="rId6"/>
     <p:sldId id="261" r:id="rId7"/>
     <p:sldId id="262" r:id="rId8"/>
   </p:sldIdLst>
@@ -247,7 +247,7 @@
           <a:p>
             <a:fld id="{E28BCE87-068D-457E-AA84-565238CD70BC}" type="datetimeFigureOut">
               <a:rPr lang="pt-BR" smtClean="0"/>
-              <a:t>07/06/2022</a:t>
+              <a:t>09/06/2022</a:t>
             </a:fld>
             <a:endParaRPr lang="pt-BR"/>
           </a:p>
@@ -415,7 +415,7 @@
           <a:p>
             <a:fld id="{E28BCE87-068D-457E-AA84-565238CD70BC}" type="datetimeFigureOut">
               <a:rPr lang="pt-BR" smtClean="0"/>
-              <a:t>07/06/2022</a:t>
+              <a:t>09/06/2022</a:t>
             </a:fld>
             <a:endParaRPr lang="pt-BR"/>
           </a:p>
@@ -593,7 +593,7 @@
           <a:p>
             <a:fld id="{E28BCE87-068D-457E-AA84-565238CD70BC}" type="datetimeFigureOut">
               <a:rPr lang="pt-BR" smtClean="0"/>
-              <a:t>07/06/2022</a:t>
+              <a:t>09/06/2022</a:t>
             </a:fld>
             <a:endParaRPr lang="pt-BR"/>
           </a:p>
@@ -761,7 +761,7 @@
           <a:p>
             <a:fld id="{E28BCE87-068D-457E-AA84-565238CD70BC}" type="datetimeFigureOut">
               <a:rPr lang="pt-BR" smtClean="0"/>
-              <a:t>07/06/2022</a:t>
+              <a:t>09/06/2022</a:t>
             </a:fld>
             <a:endParaRPr lang="pt-BR"/>
           </a:p>
@@ -1006,7 +1006,7 @@
           <a:p>
             <a:fld id="{E28BCE87-068D-457E-AA84-565238CD70BC}" type="datetimeFigureOut">
               <a:rPr lang="pt-BR" smtClean="0"/>
-              <a:t>07/06/2022</a:t>
+              <a:t>09/06/2022</a:t>
             </a:fld>
             <a:endParaRPr lang="pt-BR"/>
           </a:p>
@@ -1235,7 +1235,7 @@
           <a:p>
             <a:fld id="{E28BCE87-068D-457E-AA84-565238CD70BC}" type="datetimeFigureOut">
               <a:rPr lang="pt-BR" smtClean="0"/>
-              <a:t>07/06/2022</a:t>
+              <a:t>09/06/2022</a:t>
             </a:fld>
             <a:endParaRPr lang="pt-BR"/>
           </a:p>
@@ -1599,7 +1599,7 @@
           <a:p>
             <a:fld id="{E28BCE87-068D-457E-AA84-565238CD70BC}" type="datetimeFigureOut">
               <a:rPr lang="pt-BR" smtClean="0"/>
-              <a:t>07/06/2022</a:t>
+              <a:t>09/06/2022</a:t>
             </a:fld>
             <a:endParaRPr lang="pt-BR"/>
           </a:p>
@@ -1716,7 +1716,7 @@
           <a:p>
             <a:fld id="{E28BCE87-068D-457E-AA84-565238CD70BC}" type="datetimeFigureOut">
               <a:rPr lang="pt-BR" smtClean="0"/>
-              <a:t>07/06/2022</a:t>
+              <a:t>09/06/2022</a:t>
             </a:fld>
             <a:endParaRPr lang="pt-BR"/>
           </a:p>
@@ -1811,7 +1811,7 @@
           <a:p>
             <a:fld id="{E28BCE87-068D-457E-AA84-565238CD70BC}" type="datetimeFigureOut">
               <a:rPr lang="pt-BR" smtClean="0"/>
-              <a:t>07/06/2022</a:t>
+              <a:t>09/06/2022</a:t>
             </a:fld>
             <a:endParaRPr lang="pt-BR"/>
           </a:p>
@@ -2086,7 +2086,7 @@
           <a:p>
             <a:fld id="{E28BCE87-068D-457E-AA84-565238CD70BC}" type="datetimeFigureOut">
               <a:rPr lang="pt-BR" smtClean="0"/>
-              <a:t>07/06/2022</a:t>
+              <a:t>09/06/2022</a:t>
             </a:fld>
             <a:endParaRPr lang="pt-BR"/>
           </a:p>
@@ -2338,7 +2338,7 @@
           <a:p>
             <a:fld id="{E28BCE87-068D-457E-AA84-565238CD70BC}" type="datetimeFigureOut">
               <a:rPr lang="pt-BR" smtClean="0"/>
-              <a:t>07/06/2022</a:t>
+              <a:t>09/06/2022</a:t>
             </a:fld>
             <a:endParaRPr lang="pt-BR"/>
           </a:p>
@@ -2549,7 +2549,7 @@
           <a:p>
             <a:fld id="{E28BCE87-068D-457E-AA84-565238CD70BC}" type="datetimeFigureOut">
               <a:rPr lang="pt-BR" smtClean="0"/>
-              <a:t>07/06/2022</a:t>
+              <a:t>09/06/2022</a:t>
             </a:fld>
             <a:endParaRPr lang="pt-BR"/>
           </a:p>
@@ -3332,8 +3332,8 @@
         </p:nvSpPr>
         <p:spPr>
           <a:xfrm>
-            <a:off x="2020115" y="1317017"/>
-            <a:ext cx="1354149" cy="553998"/>
+            <a:off x="2107191" y="1317017"/>
+            <a:ext cx="1640561" cy="553998"/>
           </a:xfrm>
           <a:prstGeom prst="rect">
             <a:avLst/>
@@ -3353,7 +3353,7 @@
                 </a:solidFill>
                 <a:latin typeface="Arial Narrow" panose="020B0606020202030204" pitchFamily="34" charset="0"/>
               </a:rPr>
-              <a:t>Valores</a:t>
+              <a:t>Contexto</a:t>
             </a:r>
           </a:p>
         </p:txBody>
@@ -3505,43 +3505,9 @@
           </a:p>
         </p:txBody>
       </p:sp>
-      <p:sp>
-        <p:nvSpPr>
-          <p:cNvPr id="10" name="CaixaDeTexto 9"/>
-          <p:cNvSpPr txBox="1"/>
-          <p:nvPr/>
-        </p:nvSpPr>
-        <p:spPr>
-          <a:xfrm>
-            <a:off x="2884804" y="3663216"/>
-            <a:ext cx="6029180" cy="830997"/>
-          </a:xfrm>
-          <a:prstGeom prst="rect">
-            <a:avLst/>
-          </a:prstGeom>
-          <a:noFill/>
-        </p:spPr>
-        <p:txBody>
-          <a:bodyPr wrap="square" numCol="1" rtlCol="0">
-            <a:spAutoFit/>
-          </a:bodyPr>
-          <a:lstStyle/>
-          <a:p>
-            <a:r>
-              <a:rPr lang="pt-BR" sz="4800" dirty="0">
-                <a:solidFill>
-                  <a:schemeClr val="bg1"/>
-                </a:solidFill>
-                <a:latin typeface="Arial Narrow" panose="020B0606020202030204" pitchFamily="34" charset="0"/>
-              </a:rPr>
-              <a:t>Justiça |  Critério | Humor</a:t>
-            </a:r>
-          </a:p>
-        </p:txBody>
-      </p:sp>
       <p:pic>
         <p:nvPicPr>
-          <p:cNvPr id="11" name="Imagem 10"/>
+          <p:cNvPr id="6" name="Imagem 5"/>
           <p:cNvPicPr>
             <a:picLocks noChangeAspect="1"/>
           </p:cNvPicPr>
@@ -3568,10 +3534,648 @@
           </a:prstGeom>
         </p:spPr>
       </p:pic>
+      <p:cxnSp>
+        <p:nvCxnSpPr>
+          <p:cNvPr id="3" name="Conector reto 2"/>
+          <p:cNvCxnSpPr/>
+          <p:nvPr/>
+        </p:nvCxnSpPr>
+        <p:spPr>
+          <a:xfrm flipV="1">
+            <a:off x="1945083" y="4327301"/>
+            <a:ext cx="8355400" cy="12879"/>
+          </a:xfrm>
+          <a:prstGeom prst="line">
+            <a:avLst/>
+          </a:prstGeom>
+          <a:ln w="57150">
+            <a:solidFill>
+              <a:schemeClr val="bg1"/>
+            </a:solidFill>
+          </a:ln>
+        </p:spPr>
+        <p:style>
+          <a:lnRef idx="1">
+            <a:schemeClr val="accent1"/>
+          </a:lnRef>
+          <a:fillRef idx="0">
+            <a:schemeClr val="accent1"/>
+          </a:fillRef>
+          <a:effectRef idx="0">
+            <a:schemeClr val="accent1"/>
+          </a:effectRef>
+          <a:fontRef idx="minor">
+            <a:schemeClr val="tx1"/>
+          </a:fontRef>
+        </p:style>
+      </p:cxnSp>
+      <p:cxnSp>
+        <p:nvCxnSpPr>
+          <p:cNvPr id="7" name="Conector reto 6"/>
+          <p:cNvCxnSpPr/>
+          <p:nvPr/>
+        </p:nvCxnSpPr>
+        <p:spPr>
+          <a:xfrm flipV="1">
+            <a:off x="2665927" y="4147582"/>
+            <a:ext cx="261544" cy="385196"/>
+          </a:xfrm>
+          <a:prstGeom prst="line">
+            <a:avLst/>
+          </a:prstGeom>
+          <a:ln w="28575">
+            <a:solidFill>
+              <a:schemeClr val="bg1"/>
+            </a:solidFill>
+          </a:ln>
+        </p:spPr>
+        <p:style>
+          <a:lnRef idx="1">
+            <a:schemeClr val="accent1"/>
+          </a:lnRef>
+          <a:fillRef idx="0">
+            <a:schemeClr val="accent1"/>
+          </a:fillRef>
+          <a:effectRef idx="0">
+            <a:schemeClr val="accent1"/>
+          </a:effectRef>
+          <a:fontRef idx="minor">
+            <a:schemeClr val="tx1"/>
+          </a:fontRef>
+        </p:style>
+      </p:cxnSp>
+      <p:cxnSp>
+        <p:nvCxnSpPr>
+          <p:cNvPr id="11" name="Conector reto 10"/>
+          <p:cNvCxnSpPr/>
+          <p:nvPr/>
+        </p:nvCxnSpPr>
+        <p:spPr>
+          <a:xfrm flipV="1">
+            <a:off x="4576582" y="4134703"/>
+            <a:ext cx="261544" cy="385196"/>
+          </a:xfrm>
+          <a:prstGeom prst="line">
+            <a:avLst/>
+          </a:prstGeom>
+          <a:ln w="28575">
+            <a:solidFill>
+              <a:schemeClr val="bg1"/>
+            </a:solidFill>
+          </a:ln>
+        </p:spPr>
+        <p:style>
+          <a:lnRef idx="1">
+            <a:schemeClr val="accent1"/>
+          </a:lnRef>
+          <a:fillRef idx="0">
+            <a:schemeClr val="accent1"/>
+          </a:fillRef>
+          <a:effectRef idx="0">
+            <a:schemeClr val="accent1"/>
+          </a:effectRef>
+          <a:fontRef idx="minor">
+            <a:schemeClr val="tx1"/>
+          </a:fontRef>
+        </p:style>
+      </p:cxnSp>
+      <p:cxnSp>
+        <p:nvCxnSpPr>
+          <p:cNvPr id="12" name="Conector reto 11"/>
+          <p:cNvCxnSpPr/>
+          <p:nvPr/>
+        </p:nvCxnSpPr>
+        <p:spPr>
+          <a:xfrm flipV="1">
+            <a:off x="6451653" y="4134703"/>
+            <a:ext cx="261544" cy="385196"/>
+          </a:xfrm>
+          <a:prstGeom prst="line">
+            <a:avLst/>
+          </a:prstGeom>
+          <a:ln w="28575">
+            <a:solidFill>
+              <a:schemeClr val="bg1"/>
+            </a:solidFill>
+          </a:ln>
+        </p:spPr>
+        <p:style>
+          <a:lnRef idx="1">
+            <a:schemeClr val="accent1"/>
+          </a:lnRef>
+          <a:fillRef idx="0">
+            <a:schemeClr val="accent1"/>
+          </a:fillRef>
+          <a:effectRef idx="0">
+            <a:schemeClr val="accent1"/>
+          </a:effectRef>
+          <a:fontRef idx="minor">
+            <a:schemeClr val="tx1"/>
+          </a:fontRef>
+        </p:style>
+      </p:cxnSp>
+      <p:cxnSp>
+        <p:nvCxnSpPr>
+          <p:cNvPr id="13" name="Conector reto 12"/>
+          <p:cNvCxnSpPr/>
+          <p:nvPr/>
+        </p:nvCxnSpPr>
+        <p:spPr>
+          <a:xfrm flipV="1">
+            <a:off x="8519169" y="4134703"/>
+            <a:ext cx="261544" cy="385196"/>
+          </a:xfrm>
+          <a:prstGeom prst="line">
+            <a:avLst/>
+          </a:prstGeom>
+          <a:ln w="28575">
+            <a:solidFill>
+              <a:schemeClr val="bg1"/>
+            </a:solidFill>
+          </a:ln>
+        </p:spPr>
+        <p:style>
+          <a:lnRef idx="1">
+            <a:schemeClr val="accent1"/>
+          </a:lnRef>
+          <a:fillRef idx="0">
+            <a:schemeClr val="accent1"/>
+          </a:fillRef>
+          <a:effectRef idx="0">
+            <a:schemeClr val="accent1"/>
+          </a:effectRef>
+          <a:fontRef idx="minor">
+            <a:schemeClr val="tx1"/>
+          </a:fontRef>
+        </p:style>
+      </p:cxnSp>
+      <p:sp>
+        <p:nvSpPr>
+          <p:cNvPr id="16" name="CaixaDeTexto 15"/>
+          <p:cNvSpPr txBox="1"/>
+          <p:nvPr/>
+        </p:nvSpPr>
+        <p:spPr>
+          <a:xfrm>
+            <a:off x="7829660" y="4584603"/>
+            <a:ext cx="1379017" cy="307777"/>
+          </a:xfrm>
+          <a:prstGeom prst="rect">
+            <a:avLst/>
+          </a:prstGeom>
+          <a:noFill/>
+        </p:spPr>
+        <p:txBody>
+          <a:bodyPr wrap="square" rtlCol="0">
+            <a:spAutoFit/>
+          </a:bodyPr>
+          <a:lstStyle/>
+          <a:p>
+            <a:r>
+              <a:rPr lang="pt-BR" sz="1400" dirty="0">
+                <a:solidFill>
+                  <a:schemeClr val="bg1"/>
+                </a:solidFill>
+                <a:latin typeface="Arial Narrow" panose="020B0606020202030204" pitchFamily="34" charset="0"/>
+              </a:rPr>
+              <a:t>2014 - Atualmente</a:t>
+            </a:r>
+          </a:p>
+        </p:txBody>
+      </p:sp>
+      <p:sp>
+        <p:nvSpPr>
+          <p:cNvPr id="18" name="CaixaDeTexto 17"/>
+          <p:cNvSpPr txBox="1"/>
+          <p:nvPr/>
+        </p:nvSpPr>
+        <p:spPr>
+          <a:xfrm>
+            <a:off x="5854589" y="4584603"/>
+            <a:ext cx="1020345" cy="307777"/>
+          </a:xfrm>
+          <a:prstGeom prst="rect">
+            <a:avLst/>
+          </a:prstGeom>
+          <a:noFill/>
+        </p:spPr>
+        <p:txBody>
+          <a:bodyPr wrap="square" rtlCol="0">
+            <a:spAutoFit/>
+          </a:bodyPr>
+          <a:lstStyle/>
+          <a:p>
+            <a:r>
+              <a:rPr lang="pt-BR" sz="1400" dirty="0">
+                <a:solidFill>
+                  <a:schemeClr val="bg1"/>
+                </a:solidFill>
+                <a:latin typeface="Arial Narrow" panose="020B0606020202030204" pitchFamily="34" charset="0"/>
+              </a:rPr>
+              <a:t>2012-2013</a:t>
+            </a:r>
+          </a:p>
+        </p:txBody>
+      </p:sp>
+      <p:sp>
+        <p:nvSpPr>
+          <p:cNvPr id="19" name="CaixaDeTexto 18"/>
+          <p:cNvSpPr txBox="1"/>
+          <p:nvPr/>
+        </p:nvSpPr>
+        <p:spPr>
+          <a:xfrm>
+            <a:off x="4137390" y="4584603"/>
+            <a:ext cx="1020345" cy="307777"/>
+          </a:xfrm>
+          <a:prstGeom prst="rect">
+            <a:avLst/>
+          </a:prstGeom>
+          <a:noFill/>
+        </p:spPr>
+        <p:txBody>
+          <a:bodyPr wrap="square" rtlCol="0">
+            <a:spAutoFit/>
+          </a:bodyPr>
+          <a:lstStyle/>
+          <a:p>
+            <a:r>
+              <a:rPr lang="pt-BR" sz="1400" dirty="0">
+                <a:solidFill>
+                  <a:schemeClr val="bg1"/>
+                </a:solidFill>
+                <a:latin typeface="Arial Narrow" panose="020B0606020202030204" pitchFamily="34" charset="0"/>
+              </a:rPr>
+              <a:t>2002-2015</a:t>
+            </a:r>
+          </a:p>
+        </p:txBody>
+      </p:sp>
+      <p:sp>
+        <p:nvSpPr>
+          <p:cNvPr id="20" name="CaixaDeTexto 19"/>
+          <p:cNvSpPr txBox="1"/>
+          <p:nvPr/>
+        </p:nvSpPr>
+        <p:spPr>
+          <a:xfrm>
+            <a:off x="2155754" y="4584603"/>
+            <a:ext cx="1020345" cy="307777"/>
+          </a:xfrm>
+          <a:prstGeom prst="rect">
+            <a:avLst/>
+          </a:prstGeom>
+          <a:noFill/>
+        </p:spPr>
+        <p:txBody>
+          <a:bodyPr wrap="square" rtlCol="0">
+            <a:spAutoFit/>
+          </a:bodyPr>
+          <a:lstStyle/>
+          <a:p>
+            <a:r>
+              <a:rPr lang="pt-BR" sz="1400" dirty="0">
+                <a:solidFill>
+                  <a:schemeClr val="bg1"/>
+                </a:solidFill>
+                <a:latin typeface="Arial Narrow" panose="020B0606020202030204" pitchFamily="34" charset="0"/>
+              </a:rPr>
+              <a:t>2009-2010</a:t>
+            </a:r>
+          </a:p>
+        </p:txBody>
+      </p:sp>
+      <p:sp>
+        <p:nvSpPr>
+          <p:cNvPr id="21" name="CaixaDeTexto 20"/>
+          <p:cNvSpPr txBox="1"/>
+          <p:nvPr/>
+        </p:nvSpPr>
+        <p:spPr>
+          <a:xfrm>
+            <a:off x="2123875" y="3386025"/>
+            <a:ext cx="1607192" cy="707886"/>
+          </a:xfrm>
+          <a:prstGeom prst="rect">
+            <a:avLst/>
+          </a:prstGeom>
+          <a:noFill/>
+        </p:spPr>
+        <p:txBody>
+          <a:bodyPr wrap="square" rtlCol="0">
+            <a:spAutoFit/>
+          </a:bodyPr>
+          <a:lstStyle/>
+          <a:p>
+            <a:pPr algn="ctr"/>
+            <a:r>
+              <a:rPr lang="pt-BR" sz="2000" dirty="0">
+                <a:solidFill>
+                  <a:schemeClr val="bg1"/>
+                </a:solidFill>
+                <a:latin typeface="Arial Narrow" panose="020B0606020202030204" pitchFamily="34" charset="0"/>
+              </a:rPr>
+              <a:t>Bom dia &amp; Cia (Naruto)</a:t>
+            </a:r>
+          </a:p>
+        </p:txBody>
+      </p:sp>
+      <p:sp>
+        <p:nvSpPr>
+          <p:cNvPr id="22" name="CaixaDeTexto 21"/>
+          <p:cNvSpPr txBox="1"/>
+          <p:nvPr/>
+        </p:nvSpPr>
+        <p:spPr>
+          <a:xfrm>
+            <a:off x="4303979" y="3558472"/>
+            <a:ext cx="1126334" cy="400110"/>
+          </a:xfrm>
+          <a:prstGeom prst="rect">
+            <a:avLst/>
+          </a:prstGeom>
+          <a:noFill/>
+        </p:spPr>
+        <p:txBody>
+          <a:bodyPr wrap="square" rtlCol="0">
+            <a:spAutoFit/>
+          </a:bodyPr>
+          <a:lstStyle/>
+          <a:p>
+            <a:r>
+              <a:rPr lang="pt-BR" sz="2000" dirty="0">
+                <a:solidFill>
+                  <a:schemeClr val="bg1"/>
+                </a:solidFill>
+                <a:latin typeface="Arial Narrow" panose="020B0606020202030204" pitchFamily="34" charset="0"/>
+              </a:rPr>
+              <a:t>Desenhar</a:t>
+            </a:r>
+          </a:p>
+        </p:txBody>
+      </p:sp>
+      <p:sp>
+        <p:nvSpPr>
+          <p:cNvPr id="23" name="CaixaDeTexto 22"/>
+          <p:cNvSpPr txBox="1"/>
+          <p:nvPr/>
+        </p:nvSpPr>
+        <p:spPr>
+          <a:xfrm>
+            <a:off x="8098353" y="2975038"/>
+            <a:ext cx="1364720" cy="1015663"/>
+          </a:xfrm>
+          <a:prstGeom prst="rect">
+            <a:avLst/>
+          </a:prstGeom>
+          <a:noFill/>
+        </p:spPr>
+        <p:txBody>
+          <a:bodyPr wrap="square" rtlCol="0">
+            <a:spAutoFit/>
+          </a:bodyPr>
+          <a:lstStyle/>
+          <a:p>
+            <a:pPr algn="ctr"/>
+            <a:r>
+              <a:rPr lang="pt-BR" sz="2000" dirty="0">
+                <a:solidFill>
+                  <a:schemeClr val="bg1"/>
+                </a:solidFill>
+                <a:latin typeface="Arial Narrow" panose="020B0606020202030204" pitchFamily="34" charset="0"/>
+              </a:rPr>
+              <a:t>Entrando no universo de K-Dramas </a:t>
+            </a:r>
+          </a:p>
+        </p:txBody>
+      </p:sp>
+      <p:sp>
+        <p:nvSpPr>
+          <p:cNvPr id="24" name="CaixaDeTexto 23"/>
+          <p:cNvSpPr txBox="1"/>
+          <p:nvPr/>
+        </p:nvSpPr>
+        <p:spPr>
+          <a:xfrm>
+            <a:off x="6122783" y="2656952"/>
+            <a:ext cx="1385600" cy="1323439"/>
+          </a:xfrm>
+          <a:prstGeom prst="rect">
+            <a:avLst/>
+          </a:prstGeom>
+          <a:noFill/>
+        </p:spPr>
+        <p:txBody>
+          <a:bodyPr wrap="square" rtlCol="0">
+            <a:spAutoFit/>
+          </a:bodyPr>
+          <a:lstStyle/>
+          <a:p>
+            <a:pPr algn="ctr"/>
+            <a:r>
+              <a:rPr lang="pt-BR" sz="2000" dirty="0">
+                <a:solidFill>
+                  <a:schemeClr val="bg1"/>
+                </a:solidFill>
+                <a:latin typeface="Arial Narrow" panose="020B0606020202030204" pitchFamily="34" charset="0"/>
+              </a:rPr>
+              <a:t>Escutando J-pop e conhecendo K-pop</a:t>
+            </a:r>
+          </a:p>
+        </p:txBody>
+      </p:sp>
+      <p:pic>
+        <p:nvPicPr>
+          <p:cNvPr id="1026" name="Picture 2" descr="Naruto Uzumaki | Wiki Naruto | Fandom">
+            <a:extLst>
+              <a:ext uri="{FF2B5EF4-FFF2-40B4-BE49-F238E27FC236}">
+                <a16:creationId xmlns:a16="http://schemas.microsoft.com/office/drawing/2014/main" id="{20338E3F-824C-ED86-70CA-401A3EBE8A74}"/>
+              </a:ext>
+            </a:extLst>
+          </p:cNvPr>
+          <p:cNvPicPr>
+            <a:picLocks noChangeAspect="1" noChangeArrowheads="1"/>
+          </p:cNvPicPr>
+          <p:nvPr/>
+        </p:nvPicPr>
+        <p:blipFill>
+          <a:blip r:embed="rId3" cstate="print">
+            <a:extLst>
+              <a:ext uri="{28A0092B-C50C-407E-A947-70E740481C1C}">
+                <a14:useLocalDpi xmlns:a14="http://schemas.microsoft.com/office/drawing/2010/main" val="0"/>
+              </a:ext>
+            </a:extLst>
+          </a:blip>
+          <a:srcRect/>
+          <a:stretch>
+            <a:fillRect/>
+          </a:stretch>
+        </p:blipFill>
+        <p:spPr bwMode="auto">
+          <a:xfrm>
+            <a:off x="1945083" y="4998203"/>
+            <a:ext cx="1447413" cy="1085560"/>
+          </a:xfrm>
+          <a:prstGeom prst="rect">
+            <a:avLst/>
+          </a:prstGeom>
+          <a:noFill/>
+          <a:extLst>
+            <a:ext uri="{909E8E84-426E-40DD-AFC4-6F175D3DCCD1}">
+              <a14:hiddenFill xmlns:a14="http://schemas.microsoft.com/office/drawing/2010/main">
+                <a:solidFill>
+                  <a:srgbClr val="FFFFFF"/>
+                </a:solidFill>
+              </a14:hiddenFill>
+            </a:ext>
+          </a:extLst>
+        </p:spPr>
+      </p:pic>
+      <p:pic>
+        <p:nvPicPr>
+          <p:cNvPr id="1028" name="Picture 4" descr="Por que desenhar ajuda a desestressar? | Super">
+            <a:extLst>
+              <a:ext uri="{FF2B5EF4-FFF2-40B4-BE49-F238E27FC236}">
+                <a16:creationId xmlns:a16="http://schemas.microsoft.com/office/drawing/2014/main" id="{E9944AFE-EBA9-5400-493E-E1823D350064}"/>
+              </a:ext>
+            </a:extLst>
+          </p:cNvPr>
+          <p:cNvPicPr>
+            <a:picLocks noChangeAspect="1" noChangeArrowheads="1"/>
+          </p:cNvPicPr>
+          <p:nvPr/>
+        </p:nvPicPr>
+        <p:blipFill>
+          <a:blip r:embed="rId4" cstate="print">
+            <a:extLst>
+              <a:ext uri="{28A0092B-C50C-407E-A947-70E740481C1C}">
+                <a14:useLocalDpi xmlns:a14="http://schemas.microsoft.com/office/drawing/2010/main" val="0"/>
+              </a:ext>
+            </a:extLst>
+          </a:blip>
+          <a:srcRect/>
+          <a:stretch>
+            <a:fillRect/>
+          </a:stretch>
+        </p:blipFill>
+        <p:spPr bwMode="auto">
+          <a:xfrm>
+            <a:off x="3948894" y="5109205"/>
+            <a:ext cx="1255375" cy="836099"/>
+          </a:xfrm>
+          <a:prstGeom prst="rect">
+            <a:avLst/>
+          </a:prstGeom>
+          <a:noFill/>
+          <a:extLst>
+            <a:ext uri="{909E8E84-426E-40DD-AFC4-6F175D3DCCD1}">
+              <a14:hiddenFill xmlns:a14="http://schemas.microsoft.com/office/drawing/2010/main">
+                <a:solidFill>
+                  <a:srgbClr val="FFFFFF"/>
+                </a:solidFill>
+              </a14:hiddenFill>
+            </a:ext>
+          </a:extLst>
+        </p:spPr>
+      </p:pic>
+      <p:pic>
+        <p:nvPicPr>
+          <p:cNvPr id="1030" name="Picture 6" descr="O seu estilo é mais JPOP ou KPOP? | Quizur">
+            <a:extLst>
+              <a:ext uri="{FF2B5EF4-FFF2-40B4-BE49-F238E27FC236}">
+                <a16:creationId xmlns:a16="http://schemas.microsoft.com/office/drawing/2014/main" id="{2826A357-D34B-55E5-5C7A-98CFCC6E4F2D}"/>
+              </a:ext>
+            </a:extLst>
+          </p:cNvPr>
+          <p:cNvPicPr>
+            <a:picLocks noChangeAspect="1" noChangeArrowheads="1"/>
+          </p:cNvPicPr>
+          <p:nvPr/>
+        </p:nvPicPr>
+        <p:blipFill>
+          <a:blip r:embed="rId5" cstate="print">
+            <a:extLst>
+              <a:ext uri="{28A0092B-C50C-407E-A947-70E740481C1C}">
+                <a14:useLocalDpi xmlns:a14="http://schemas.microsoft.com/office/drawing/2010/main" val="0"/>
+              </a:ext>
+            </a:extLst>
+          </a:blip>
+          <a:srcRect/>
+          <a:stretch>
+            <a:fillRect/>
+          </a:stretch>
+        </p:blipFill>
+        <p:spPr bwMode="auto">
+          <a:xfrm>
+            <a:off x="5712885" y="5025526"/>
+            <a:ext cx="1255375" cy="941531"/>
+          </a:xfrm>
+          <a:prstGeom prst="rect">
+            <a:avLst/>
+          </a:prstGeom>
+          <a:noFill/>
+          <a:extLst>
+            <a:ext uri="{909E8E84-426E-40DD-AFC4-6F175D3DCCD1}">
+              <a14:hiddenFill xmlns:a14="http://schemas.microsoft.com/office/drawing/2010/main">
+                <a:solidFill>
+                  <a:srgbClr val="FFFFFF"/>
+                </a:solidFill>
+              </a14:hiddenFill>
+            </a:ext>
+          </a:extLst>
+        </p:spPr>
+      </p:pic>
+      <p:pic>
+        <p:nvPicPr>
+          <p:cNvPr id="1032" name="Picture 8" descr="Kdramas: será que você sabe tudo sobre eles? | Quizur">
+            <a:extLst>
+              <a:ext uri="{FF2B5EF4-FFF2-40B4-BE49-F238E27FC236}">
+                <a16:creationId xmlns:a16="http://schemas.microsoft.com/office/drawing/2014/main" id="{38B643F3-9D97-6FDC-124D-A21CE9922434}"/>
+              </a:ext>
+            </a:extLst>
+          </p:cNvPr>
+          <p:cNvPicPr>
+            <a:picLocks noChangeAspect="1" noChangeArrowheads="1"/>
+          </p:cNvPicPr>
+          <p:nvPr/>
+        </p:nvPicPr>
+        <p:blipFill>
+          <a:blip r:embed="rId6" cstate="print">
+            <a:extLst>
+              <a:ext uri="{28A0092B-C50C-407E-A947-70E740481C1C}">
+                <a14:useLocalDpi xmlns:a14="http://schemas.microsoft.com/office/drawing/2010/main" val="0"/>
+              </a:ext>
+            </a:extLst>
+          </a:blip>
+          <a:srcRect/>
+          <a:stretch>
+            <a:fillRect/>
+          </a:stretch>
+        </p:blipFill>
+        <p:spPr bwMode="auto">
+          <a:xfrm>
+            <a:off x="7959846" y="4961302"/>
+            <a:ext cx="1379017" cy="1034263"/>
+          </a:xfrm>
+          <a:prstGeom prst="rect">
+            <a:avLst/>
+          </a:prstGeom>
+          <a:noFill/>
+          <a:extLst>
+            <a:ext uri="{909E8E84-426E-40DD-AFC4-6F175D3DCCD1}">
+              <a14:hiddenFill xmlns:a14="http://schemas.microsoft.com/office/drawing/2010/main">
+                <a:solidFill>
+                  <a:srgbClr val="FFFFFF"/>
+                </a:solidFill>
+              </a14:hiddenFill>
+            </a:ext>
+          </a:extLst>
+        </p:spPr>
+      </p:pic>
     </p:spTree>
     <p:extLst>
       <p:ext uri="{BB962C8B-B14F-4D97-AF65-F5344CB8AC3E}">
-        <p14:creationId xmlns:p14="http://schemas.microsoft.com/office/powerpoint/2010/main" val="2404240377"/>
+        <p14:creationId xmlns:p14="http://schemas.microsoft.com/office/powerpoint/2010/main" val="1343220316"/>
       </p:ext>
     </p:extLst>
   </p:cSld>
@@ -3654,8 +4258,8 @@
         </p:nvSpPr>
         <p:spPr>
           <a:xfrm>
-            <a:off x="2107191" y="1317017"/>
-            <a:ext cx="1640561" cy="553998"/>
+            <a:off x="6662564" y="3134898"/>
+            <a:ext cx="3510673" cy="1477328"/>
           </a:xfrm>
           <a:prstGeom prst="rect">
             <a:avLst/>
@@ -3669,13 +4273,13 @@
           <a:lstStyle/>
           <a:p>
             <a:r>
-              <a:rPr lang="pt-BR" sz="3000" dirty="0">
+              <a:rPr lang="pt-BR" sz="9000" dirty="0">
                 <a:solidFill>
                   <a:schemeClr val="bg1"/>
                 </a:solidFill>
                 <a:latin typeface="Arial Narrow" panose="020B0606020202030204" pitchFamily="34" charset="0"/>
               </a:rPr>
-              <a:t>Contexto</a:t>
+              <a:t>Valores</a:t>
             </a:r>
           </a:p>
         </p:txBody>
@@ -3829,7 +4433,7 @@
       </p:sp>
       <p:pic>
         <p:nvPicPr>
-          <p:cNvPr id="6" name="Imagem 5"/>
+          <p:cNvPr id="11" name="Imagem 10"/>
           <p:cNvPicPr>
             <a:picLocks noChangeAspect="1"/>
           </p:cNvPicPr>
@@ -3856,648 +4460,10 @@
           </a:prstGeom>
         </p:spPr>
       </p:pic>
-      <p:cxnSp>
-        <p:nvCxnSpPr>
-          <p:cNvPr id="3" name="Conector reto 2"/>
-          <p:cNvCxnSpPr/>
-          <p:nvPr/>
-        </p:nvCxnSpPr>
-        <p:spPr>
-          <a:xfrm flipV="1">
-            <a:off x="1945083" y="4327301"/>
-            <a:ext cx="8355400" cy="12879"/>
-          </a:xfrm>
-          <a:prstGeom prst="line">
-            <a:avLst/>
-          </a:prstGeom>
-          <a:ln w="57150">
-            <a:solidFill>
-              <a:schemeClr val="bg1"/>
-            </a:solidFill>
-          </a:ln>
-        </p:spPr>
-        <p:style>
-          <a:lnRef idx="1">
-            <a:schemeClr val="accent1"/>
-          </a:lnRef>
-          <a:fillRef idx="0">
-            <a:schemeClr val="accent1"/>
-          </a:fillRef>
-          <a:effectRef idx="0">
-            <a:schemeClr val="accent1"/>
-          </a:effectRef>
-          <a:fontRef idx="minor">
-            <a:schemeClr val="tx1"/>
-          </a:fontRef>
-        </p:style>
-      </p:cxnSp>
-      <p:cxnSp>
-        <p:nvCxnSpPr>
-          <p:cNvPr id="7" name="Conector reto 6"/>
-          <p:cNvCxnSpPr/>
-          <p:nvPr/>
-        </p:nvCxnSpPr>
-        <p:spPr>
-          <a:xfrm flipV="1">
-            <a:off x="2665927" y="4147582"/>
-            <a:ext cx="261544" cy="385196"/>
-          </a:xfrm>
-          <a:prstGeom prst="line">
-            <a:avLst/>
-          </a:prstGeom>
-          <a:ln w="28575">
-            <a:solidFill>
-              <a:schemeClr val="bg1"/>
-            </a:solidFill>
-          </a:ln>
-        </p:spPr>
-        <p:style>
-          <a:lnRef idx="1">
-            <a:schemeClr val="accent1"/>
-          </a:lnRef>
-          <a:fillRef idx="0">
-            <a:schemeClr val="accent1"/>
-          </a:fillRef>
-          <a:effectRef idx="0">
-            <a:schemeClr val="accent1"/>
-          </a:effectRef>
-          <a:fontRef idx="minor">
-            <a:schemeClr val="tx1"/>
-          </a:fontRef>
-        </p:style>
-      </p:cxnSp>
-      <p:cxnSp>
-        <p:nvCxnSpPr>
-          <p:cNvPr id="11" name="Conector reto 10"/>
-          <p:cNvCxnSpPr/>
-          <p:nvPr/>
-        </p:nvCxnSpPr>
-        <p:spPr>
-          <a:xfrm flipV="1">
-            <a:off x="4576582" y="4134703"/>
-            <a:ext cx="261544" cy="385196"/>
-          </a:xfrm>
-          <a:prstGeom prst="line">
-            <a:avLst/>
-          </a:prstGeom>
-          <a:ln w="28575">
-            <a:solidFill>
-              <a:schemeClr val="bg1"/>
-            </a:solidFill>
-          </a:ln>
-        </p:spPr>
-        <p:style>
-          <a:lnRef idx="1">
-            <a:schemeClr val="accent1"/>
-          </a:lnRef>
-          <a:fillRef idx="0">
-            <a:schemeClr val="accent1"/>
-          </a:fillRef>
-          <a:effectRef idx="0">
-            <a:schemeClr val="accent1"/>
-          </a:effectRef>
-          <a:fontRef idx="minor">
-            <a:schemeClr val="tx1"/>
-          </a:fontRef>
-        </p:style>
-      </p:cxnSp>
-      <p:cxnSp>
-        <p:nvCxnSpPr>
-          <p:cNvPr id="12" name="Conector reto 11"/>
-          <p:cNvCxnSpPr/>
-          <p:nvPr/>
-        </p:nvCxnSpPr>
-        <p:spPr>
-          <a:xfrm flipV="1">
-            <a:off x="6451653" y="4134703"/>
-            <a:ext cx="261544" cy="385196"/>
-          </a:xfrm>
-          <a:prstGeom prst="line">
-            <a:avLst/>
-          </a:prstGeom>
-          <a:ln w="28575">
-            <a:solidFill>
-              <a:schemeClr val="bg1"/>
-            </a:solidFill>
-          </a:ln>
-        </p:spPr>
-        <p:style>
-          <a:lnRef idx="1">
-            <a:schemeClr val="accent1"/>
-          </a:lnRef>
-          <a:fillRef idx="0">
-            <a:schemeClr val="accent1"/>
-          </a:fillRef>
-          <a:effectRef idx="0">
-            <a:schemeClr val="accent1"/>
-          </a:effectRef>
-          <a:fontRef idx="minor">
-            <a:schemeClr val="tx1"/>
-          </a:fontRef>
-        </p:style>
-      </p:cxnSp>
-      <p:cxnSp>
-        <p:nvCxnSpPr>
-          <p:cNvPr id="13" name="Conector reto 12"/>
-          <p:cNvCxnSpPr/>
-          <p:nvPr/>
-        </p:nvCxnSpPr>
-        <p:spPr>
-          <a:xfrm flipV="1">
-            <a:off x="8519169" y="4134703"/>
-            <a:ext cx="261544" cy="385196"/>
-          </a:xfrm>
-          <a:prstGeom prst="line">
-            <a:avLst/>
-          </a:prstGeom>
-          <a:ln w="28575">
-            <a:solidFill>
-              <a:schemeClr val="bg1"/>
-            </a:solidFill>
-          </a:ln>
-        </p:spPr>
-        <p:style>
-          <a:lnRef idx="1">
-            <a:schemeClr val="accent1"/>
-          </a:lnRef>
-          <a:fillRef idx="0">
-            <a:schemeClr val="accent1"/>
-          </a:fillRef>
-          <a:effectRef idx="0">
-            <a:schemeClr val="accent1"/>
-          </a:effectRef>
-          <a:fontRef idx="minor">
-            <a:schemeClr val="tx1"/>
-          </a:fontRef>
-        </p:style>
-      </p:cxnSp>
-      <p:sp>
-        <p:nvSpPr>
-          <p:cNvPr id="16" name="CaixaDeTexto 15"/>
-          <p:cNvSpPr txBox="1"/>
-          <p:nvPr/>
-        </p:nvSpPr>
-        <p:spPr>
-          <a:xfrm>
-            <a:off x="7829660" y="4584603"/>
-            <a:ext cx="1379017" cy="307777"/>
-          </a:xfrm>
-          <a:prstGeom prst="rect">
-            <a:avLst/>
-          </a:prstGeom>
-          <a:noFill/>
-        </p:spPr>
-        <p:txBody>
-          <a:bodyPr wrap="square" rtlCol="0">
-            <a:spAutoFit/>
-          </a:bodyPr>
-          <a:lstStyle/>
-          <a:p>
-            <a:r>
-              <a:rPr lang="pt-BR" sz="1400" dirty="0">
-                <a:solidFill>
-                  <a:schemeClr val="bg1"/>
-                </a:solidFill>
-                <a:latin typeface="Arial Narrow" panose="020B0606020202030204" pitchFamily="34" charset="0"/>
-              </a:rPr>
-              <a:t>2014 - Atualmente</a:t>
-            </a:r>
-          </a:p>
-        </p:txBody>
-      </p:sp>
-      <p:sp>
-        <p:nvSpPr>
-          <p:cNvPr id="18" name="CaixaDeTexto 17"/>
-          <p:cNvSpPr txBox="1"/>
-          <p:nvPr/>
-        </p:nvSpPr>
-        <p:spPr>
-          <a:xfrm>
-            <a:off x="5854589" y="4584603"/>
-            <a:ext cx="1020345" cy="307777"/>
-          </a:xfrm>
-          <a:prstGeom prst="rect">
-            <a:avLst/>
-          </a:prstGeom>
-          <a:noFill/>
-        </p:spPr>
-        <p:txBody>
-          <a:bodyPr wrap="square" rtlCol="0">
-            <a:spAutoFit/>
-          </a:bodyPr>
-          <a:lstStyle/>
-          <a:p>
-            <a:r>
-              <a:rPr lang="pt-BR" sz="1400" dirty="0">
-                <a:solidFill>
-                  <a:schemeClr val="bg1"/>
-                </a:solidFill>
-                <a:latin typeface="Arial Narrow" panose="020B0606020202030204" pitchFamily="34" charset="0"/>
-              </a:rPr>
-              <a:t>2012-2013</a:t>
-            </a:r>
-          </a:p>
-        </p:txBody>
-      </p:sp>
-      <p:sp>
-        <p:nvSpPr>
-          <p:cNvPr id="19" name="CaixaDeTexto 18"/>
-          <p:cNvSpPr txBox="1"/>
-          <p:nvPr/>
-        </p:nvSpPr>
-        <p:spPr>
-          <a:xfrm>
-            <a:off x="4137390" y="4584603"/>
-            <a:ext cx="1020345" cy="307777"/>
-          </a:xfrm>
-          <a:prstGeom prst="rect">
-            <a:avLst/>
-          </a:prstGeom>
-          <a:noFill/>
-        </p:spPr>
-        <p:txBody>
-          <a:bodyPr wrap="square" rtlCol="0">
-            <a:spAutoFit/>
-          </a:bodyPr>
-          <a:lstStyle/>
-          <a:p>
-            <a:r>
-              <a:rPr lang="pt-BR" sz="1400" dirty="0">
-                <a:solidFill>
-                  <a:schemeClr val="bg1"/>
-                </a:solidFill>
-                <a:latin typeface="Arial Narrow" panose="020B0606020202030204" pitchFamily="34" charset="0"/>
-              </a:rPr>
-              <a:t>2002-2015</a:t>
-            </a:r>
-          </a:p>
-        </p:txBody>
-      </p:sp>
-      <p:sp>
-        <p:nvSpPr>
-          <p:cNvPr id="20" name="CaixaDeTexto 19"/>
-          <p:cNvSpPr txBox="1"/>
-          <p:nvPr/>
-        </p:nvSpPr>
-        <p:spPr>
-          <a:xfrm>
-            <a:off x="2155754" y="4584603"/>
-            <a:ext cx="1020345" cy="307777"/>
-          </a:xfrm>
-          <a:prstGeom prst="rect">
-            <a:avLst/>
-          </a:prstGeom>
-          <a:noFill/>
-        </p:spPr>
-        <p:txBody>
-          <a:bodyPr wrap="square" rtlCol="0">
-            <a:spAutoFit/>
-          </a:bodyPr>
-          <a:lstStyle/>
-          <a:p>
-            <a:r>
-              <a:rPr lang="pt-BR" sz="1400" dirty="0">
-                <a:solidFill>
-                  <a:schemeClr val="bg1"/>
-                </a:solidFill>
-                <a:latin typeface="Arial Narrow" panose="020B0606020202030204" pitchFamily="34" charset="0"/>
-              </a:rPr>
-              <a:t>2009-2010</a:t>
-            </a:r>
-          </a:p>
-        </p:txBody>
-      </p:sp>
-      <p:sp>
-        <p:nvSpPr>
-          <p:cNvPr id="21" name="CaixaDeTexto 20"/>
-          <p:cNvSpPr txBox="1"/>
-          <p:nvPr/>
-        </p:nvSpPr>
-        <p:spPr>
-          <a:xfrm>
-            <a:off x="2123875" y="3386025"/>
-            <a:ext cx="1607192" cy="707886"/>
-          </a:xfrm>
-          <a:prstGeom prst="rect">
-            <a:avLst/>
-          </a:prstGeom>
-          <a:noFill/>
-        </p:spPr>
-        <p:txBody>
-          <a:bodyPr wrap="square" rtlCol="0">
-            <a:spAutoFit/>
-          </a:bodyPr>
-          <a:lstStyle/>
-          <a:p>
-            <a:pPr algn="ctr"/>
-            <a:r>
-              <a:rPr lang="pt-BR" sz="2000" dirty="0">
-                <a:solidFill>
-                  <a:schemeClr val="bg1"/>
-                </a:solidFill>
-                <a:latin typeface="Arial Narrow" panose="020B0606020202030204" pitchFamily="34" charset="0"/>
-              </a:rPr>
-              <a:t>Bom dia &amp; Cia (Naruto)</a:t>
-            </a:r>
-          </a:p>
-        </p:txBody>
-      </p:sp>
-      <p:sp>
-        <p:nvSpPr>
-          <p:cNvPr id="22" name="CaixaDeTexto 21"/>
-          <p:cNvSpPr txBox="1"/>
-          <p:nvPr/>
-        </p:nvSpPr>
-        <p:spPr>
-          <a:xfrm>
-            <a:off x="4303979" y="3558472"/>
-            <a:ext cx="1126334" cy="400110"/>
-          </a:xfrm>
-          <a:prstGeom prst="rect">
-            <a:avLst/>
-          </a:prstGeom>
-          <a:noFill/>
-        </p:spPr>
-        <p:txBody>
-          <a:bodyPr wrap="square" rtlCol="0">
-            <a:spAutoFit/>
-          </a:bodyPr>
-          <a:lstStyle/>
-          <a:p>
-            <a:r>
-              <a:rPr lang="pt-BR" sz="2000" dirty="0">
-                <a:solidFill>
-                  <a:schemeClr val="bg1"/>
-                </a:solidFill>
-                <a:latin typeface="Arial Narrow" panose="020B0606020202030204" pitchFamily="34" charset="0"/>
-              </a:rPr>
-              <a:t>Desenhar</a:t>
-            </a:r>
-          </a:p>
-        </p:txBody>
-      </p:sp>
-      <p:sp>
-        <p:nvSpPr>
-          <p:cNvPr id="23" name="CaixaDeTexto 22"/>
-          <p:cNvSpPr txBox="1"/>
-          <p:nvPr/>
-        </p:nvSpPr>
-        <p:spPr>
-          <a:xfrm>
-            <a:off x="8098353" y="2975038"/>
-            <a:ext cx="1364720" cy="1015663"/>
-          </a:xfrm>
-          <a:prstGeom prst="rect">
-            <a:avLst/>
-          </a:prstGeom>
-          <a:noFill/>
-        </p:spPr>
-        <p:txBody>
-          <a:bodyPr wrap="square" rtlCol="0">
-            <a:spAutoFit/>
-          </a:bodyPr>
-          <a:lstStyle/>
-          <a:p>
-            <a:pPr algn="ctr"/>
-            <a:r>
-              <a:rPr lang="pt-BR" sz="2000" dirty="0">
-                <a:solidFill>
-                  <a:schemeClr val="bg1"/>
-                </a:solidFill>
-                <a:latin typeface="Arial Narrow" panose="020B0606020202030204" pitchFamily="34" charset="0"/>
-              </a:rPr>
-              <a:t>Entrando no universo de K-Dramas </a:t>
-            </a:r>
-          </a:p>
-        </p:txBody>
-      </p:sp>
-      <p:sp>
-        <p:nvSpPr>
-          <p:cNvPr id="24" name="CaixaDeTexto 23"/>
-          <p:cNvSpPr txBox="1"/>
-          <p:nvPr/>
-        </p:nvSpPr>
-        <p:spPr>
-          <a:xfrm>
-            <a:off x="6122783" y="2656952"/>
-            <a:ext cx="1385600" cy="1323439"/>
-          </a:xfrm>
-          <a:prstGeom prst="rect">
-            <a:avLst/>
-          </a:prstGeom>
-          <a:noFill/>
-        </p:spPr>
-        <p:txBody>
-          <a:bodyPr wrap="square" rtlCol="0">
-            <a:spAutoFit/>
-          </a:bodyPr>
-          <a:lstStyle/>
-          <a:p>
-            <a:pPr algn="ctr"/>
-            <a:r>
-              <a:rPr lang="pt-BR" sz="2000" dirty="0">
-                <a:solidFill>
-                  <a:schemeClr val="bg1"/>
-                </a:solidFill>
-                <a:latin typeface="Arial Narrow" panose="020B0606020202030204" pitchFamily="34" charset="0"/>
-              </a:rPr>
-              <a:t>Escutando J-pop e conhecendo K-pop</a:t>
-            </a:r>
-          </a:p>
-        </p:txBody>
-      </p:sp>
-      <p:pic>
-        <p:nvPicPr>
-          <p:cNvPr id="1026" name="Picture 2" descr="Naruto Uzumaki | Wiki Naruto | Fandom">
-            <a:extLst>
-              <a:ext uri="{FF2B5EF4-FFF2-40B4-BE49-F238E27FC236}">
-                <a16:creationId xmlns:a16="http://schemas.microsoft.com/office/drawing/2014/main" id="{20338E3F-824C-ED86-70CA-401A3EBE8A74}"/>
-              </a:ext>
-            </a:extLst>
-          </p:cNvPr>
-          <p:cNvPicPr>
-            <a:picLocks noChangeAspect="1" noChangeArrowheads="1"/>
-          </p:cNvPicPr>
-          <p:nvPr/>
-        </p:nvPicPr>
-        <p:blipFill>
-          <a:blip r:embed="rId3" cstate="print">
-            <a:extLst>
-              <a:ext uri="{28A0092B-C50C-407E-A947-70E740481C1C}">
-                <a14:useLocalDpi xmlns:a14="http://schemas.microsoft.com/office/drawing/2010/main" val="0"/>
-              </a:ext>
-            </a:extLst>
-          </a:blip>
-          <a:srcRect/>
-          <a:stretch>
-            <a:fillRect/>
-          </a:stretch>
-        </p:blipFill>
-        <p:spPr bwMode="auto">
-          <a:xfrm>
-            <a:off x="1945083" y="4998203"/>
-            <a:ext cx="1447413" cy="1085560"/>
-          </a:xfrm>
-          <a:prstGeom prst="rect">
-            <a:avLst/>
-          </a:prstGeom>
-          <a:noFill/>
-          <a:extLst>
-            <a:ext uri="{909E8E84-426E-40DD-AFC4-6F175D3DCCD1}">
-              <a14:hiddenFill xmlns:a14="http://schemas.microsoft.com/office/drawing/2010/main">
-                <a:solidFill>
-                  <a:srgbClr val="FFFFFF"/>
-                </a:solidFill>
-              </a14:hiddenFill>
-            </a:ext>
-          </a:extLst>
-        </p:spPr>
-      </p:pic>
-      <p:pic>
-        <p:nvPicPr>
-          <p:cNvPr id="1028" name="Picture 4" descr="Por que desenhar ajuda a desestressar? | Super">
-            <a:extLst>
-              <a:ext uri="{FF2B5EF4-FFF2-40B4-BE49-F238E27FC236}">
-                <a16:creationId xmlns:a16="http://schemas.microsoft.com/office/drawing/2014/main" id="{E9944AFE-EBA9-5400-493E-E1823D350064}"/>
-              </a:ext>
-            </a:extLst>
-          </p:cNvPr>
-          <p:cNvPicPr>
-            <a:picLocks noChangeAspect="1" noChangeArrowheads="1"/>
-          </p:cNvPicPr>
-          <p:nvPr/>
-        </p:nvPicPr>
-        <p:blipFill>
-          <a:blip r:embed="rId4" cstate="print">
-            <a:extLst>
-              <a:ext uri="{28A0092B-C50C-407E-A947-70E740481C1C}">
-                <a14:useLocalDpi xmlns:a14="http://schemas.microsoft.com/office/drawing/2010/main" val="0"/>
-              </a:ext>
-            </a:extLst>
-          </a:blip>
-          <a:srcRect/>
-          <a:stretch>
-            <a:fillRect/>
-          </a:stretch>
-        </p:blipFill>
-        <p:spPr bwMode="auto">
-          <a:xfrm>
-            <a:off x="3948894" y="5109205"/>
-            <a:ext cx="1255375" cy="836099"/>
-          </a:xfrm>
-          <a:prstGeom prst="rect">
-            <a:avLst/>
-          </a:prstGeom>
-          <a:noFill/>
-          <a:extLst>
-            <a:ext uri="{909E8E84-426E-40DD-AFC4-6F175D3DCCD1}">
-              <a14:hiddenFill xmlns:a14="http://schemas.microsoft.com/office/drawing/2010/main">
-                <a:solidFill>
-                  <a:srgbClr val="FFFFFF"/>
-                </a:solidFill>
-              </a14:hiddenFill>
-            </a:ext>
-          </a:extLst>
-        </p:spPr>
-      </p:pic>
-      <p:pic>
-        <p:nvPicPr>
-          <p:cNvPr id="1030" name="Picture 6" descr="O seu estilo é mais JPOP ou KPOP? | Quizur">
-            <a:extLst>
-              <a:ext uri="{FF2B5EF4-FFF2-40B4-BE49-F238E27FC236}">
-                <a16:creationId xmlns:a16="http://schemas.microsoft.com/office/drawing/2014/main" id="{2826A357-D34B-55E5-5C7A-98CFCC6E4F2D}"/>
-              </a:ext>
-            </a:extLst>
-          </p:cNvPr>
-          <p:cNvPicPr>
-            <a:picLocks noChangeAspect="1" noChangeArrowheads="1"/>
-          </p:cNvPicPr>
-          <p:nvPr/>
-        </p:nvPicPr>
-        <p:blipFill>
-          <a:blip r:embed="rId5" cstate="print">
-            <a:extLst>
-              <a:ext uri="{28A0092B-C50C-407E-A947-70E740481C1C}">
-                <a14:useLocalDpi xmlns:a14="http://schemas.microsoft.com/office/drawing/2010/main" val="0"/>
-              </a:ext>
-            </a:extLst>
-          </a:blip>
-          <a:srcRect/>
-          <a:stretch>
-            <a:fillRect/>
-          </a:stretch>
-        </p:blipFill>
-        <p:spPr bwMode="auto">
-          <a:xfrm>
-            <a:off x="5712885" y="5025526"/>
-            <a:ext cx="1255375" cy="941531"/>
-          </a:xfrm>
-          <a:prstGeom prst="rect">
-            <a:avLst/>
-          </a:prstGeom>
-          <a:noFill/>
-          <a:extLst>
-            <a:ext uri="{909E8E84-426E-40DD-AFC4-6F175D3DCCD1}">
-              <a14:hiddenFill xmlns:a14="http://schemas.microsoft.com/office/drawing/2010/main">
-                <a:solidFill>
-                  <a:srgbClr val="FFFFFF"/>
-                </a:solidFill>
-              </a14:hiddenFill>
-            </a:ext>
-          </a:extLst>
-        </p:spPr>
-      </p:pic>
-      <p:pic>
-        <p:nvPicPr>
-          <p:cNvPr id="1032" name="Picture 8" descr="Kdramas: será que você sabe tudo sobre eles? | Quizur">
-            <a:extLst>
-              <a:ext uri="{FF2B5EF4-FFF2-40B4-BE49-F238E27FC236}">
-                <a16:creationId xmlns:a16="http://schemas.microsoft.com/office/drawing/2014/main" id="{38B643F3-9D97-6FDC-124D-A21CE9922434}"/>
-              </a:ext>
-            </a:extLst>
-          </p:cNvPr>
-          <p:cNvPicPr>
-            <a:picLocks noChangeAspect="1" noChangeArrowheads="1"/>
-          </p:cNvPicPr>
-          <p:nvPr/>
-        </p:nvPicPr>
-        <p:blipFill>
-          <a:blip r:embed="rId6" cstate="print">
-            <a:extLst>
-              <a:ext uri="{28A0092B-C50C-407E-A947-70E740481C1C}">
-                <a14:useLocalDpi xmlns:a14="http://schemas.microsoft.com/office/drawing/2010/main" val="0"/>
-              </a:ext>
-            </a:extLst>
-          </a:blip>
-          <a:srcRect/>
-          <a:stretch>
-            <a:fillRect/>
-          </a:stretch>
-        </p:blipFill>
-        <p:spPr bwMode="auto">
-          <a:xfrm>
-            <a:off x="7959846" y="4961302"/>
-            <a:ext cx="1379017" cy="1034263"/>
-          </a:xfrm>
-          <a:prstGeom prst="rect">
-            <a:avLst/>
-          </a:prstGeom>
-          <a:noFill/>
-          <a:extLst>
-            <a:ext uri="{909E8E84-426E-40DD-AFC4-6F175D3DCCD1}">
-              <a14:hiddenFill xmlns:a14="http://schemas.microsoft.com/office/drawing/2010/main">
-                <a:solidFill>
-                  <a:srgbClr val="FFFFFF"/>
-                </a:solidFill>
-              </a14:hiddenFill>
-            </a:ext>
-          </a:extLst>
-        </p:spPr>
-      </p:pic>
     </p:spTree>
     <p:extLst>
       <p:ext uri="{BB962C8B-B14F-4D97-AF65-F5344CB8AC3E}">
-        <p14:creationId xmlns:p14="http://schemas.microsoft.com/office/powerpoint/2010/main" val="1343220316"/>
+        <p14:creationId xmlns:p14="http://schemas.microsoft.com/office/powerpoint/2010/main" val="2404240377"/>
       </p:ext>
     </p:extLst>
   </p:cSld>
@@ -4580,8 +4546,8 @@
         </p:nvSpPr>
         <p:spPr>
           <a:xfrm>
-            <a:off x="1682187" y="1317017"/>
-            <a:ext cx="2490567" cy="553998"/>
+            <a:off x="4456785" y="3669599"/>
+            <a:ext cx="6566224" cy="830997"/>
           </a:xfrm>
           <a:prstGeom prst="rect">
             <a:avLst/>
@@ -4595,13 +4561,13 @@
           <a:lstStyle/>
           <a:p>
             <a:r>
-              <a:rPr lang="pt-BR" sz="3000" dirty="0">
+              <a:rPr lang="pt-BR" sz="4800" dirty="0">
                 <a:solidFill>
                   <a:schemeClr val="bg1"/>
                 </a:solidFill>
                 <a:latin typeface="Arial Narrow" panose="020B0606020202030204" pitchFamily="34" charset="0"/>
               </a:rPr>
-              <a:t>Modelagem 1:N</a:t>
+              <a:t>Dificuldades e Superações </a:t>
             </a:r>
           </a:p>
         </p:txBody>
@@ -4782,64 +4748,10 @@
           </a:prstGeom>
         </p:spPr>
       </p:pic>
-      <p:pic>
-        <p:nvPicPr>
-          <p:cNvPr id="10" name="Picture 4" descr="Diagram&#10;&#10;Description automatically generated">
-            <a:extLst>
-              <a:ext uri="{FF2B5EF4-FFF2-40B4-BE49-F238E27FC236}">
-                <a16:creationId xmlns:a16="http://schemas.microsoft.com/office/drawing/2014/main" id="{923A6B0F-46A7-233A-0844-68E9EDA341F4}"/>
-              </a:ext>
-            </a:extLst>
-          </p:cNvPr>
-          <p:cNvPicPr>
-            <a:picLocks noChangeAspect="1"/>
-          </p:cNvPicPr>
-          <p:nvPr/>
-        </p:nvPicPr>
-        <p:blipFill>
-          <a:blip r:embed="rId3"/>
-          <a:stretch>
-            <a:fillRect/>
-          </a:stretch>
-        </p:blipFill>
-        <p:spPr>
-          <a:xfrm>
-            <a:off x="3790832" y="2789864"/>
-            <a:ext cx="6572325" cy="3158330"/>
-          </a:xfrm>
-          <a:prstGeom prst="roundRect">
-            <a:avLst>
-              <a:gd name="adj" fmla="val 16667"/>
-            </a:avLst>
-          </a:prstGeom>
-          <a:ln>
-            <a:noFill/>
-          </a:ln>
-          <a:effectLst>
-            <a:outerShdw blurRad="76200" dist="38100" dir="7800000" algn="tl" rotWithShape="0">
-              <a:srgbClr val="000000">
-                <a:alpha val="40000"/>
-              </a:srgbClr>
-            </a:outerShdw>
-          </a:effectLst>
-          <a:scene3d>
-            <a:camera prst="orthographicFront"/>
-            <a:lightRig rig="contrasting" dir="t">
-              <a:rot lat="0" lon="0" rev="4200000"/>
-            </a:lightRig>
-          </a:scene3d>
-          <a:sp3d prstMaterial="plastic">
-            <a:bevelT w="381000" h="114300" prst="relaxedInset"/>
-            <a:contourClr>
-              <a:srgbClr val="969696"/>
-            </a:contourClr>
-          </a:sp3d>
-        </p:spPr>
-      </p:pic>
     </p:spTree>
     <p:extLst>
       <p:ext uri="{BB962C8B-B14F-4D97-AF65-F5344CB8AC3E}">
-        <p14:creationId xmlns:p14="http://schemas.microsoft.com/office/powerpoint/2010/main" val="3835318140"/>
+        <p14:creationId xmlns:p14="http://schemas.microsoft.com/office/powerpoint/2010/main" val="967266179"/>
       </p:ext>
     </p:extLst>
   </p:cSld>
@@ -4922,8 +4834,8 @@
         </p:nvSpPr>
         <p:spPr>
           <a:xfrm>
-            <a:off x="1064002" y="1317017"/>
-            <a:ext cx="4126183" cy="553998"/>
+            <a:off x="1682187" y="1317017"/>
+            <a:ext cx="2490567" cy="553998"/>
           </a:xfrm>
           <a:prstGeom prst="rect">
             <a:avLst/>
@@ -4943,7 +4855,7 @@
                 </a:solidFill>
                 <a:latin typeface="Arial Narrow" panose="020B0606020202030204" pitchFamily="34" charset="0"/>
               </a:rPr>
-              <a:t>Dificuldades e Superações </a:t>
+              <a:t>Modelagem 1:N</a:t>
             </a:r>
           </a:p>
         </p:txBody>
@@ -5124,78 +5036,64 @@
           </a:prstGeom>
         </p:spPr>
       </p:pic>
-      <p:sp>
-        <p:nvSpPr>
-          <p:cNvPr id="7" name="CaixaDeTexto 6"/>
-          <p:cNvSpPr txBox="1"/>
+      <p:pic>
+        <p:nvPicPr>
+          <p:cNvPr id="10" name="Picture 4" descr="Diagram&#10;&#10;Description automatically generated">
+            <a:extLst>
+              <a:ext uri="{FF2B5EF4-FFF2-40B4-BE49-F238E27FC236}">
+                <a16:creationId xmlns:a16="http://schemas.microsoft.com/office/drawing/2014/main" id="{923A6B0F-46A7-233A-0844-68E9EDA341F4}"/>
+              </a:ext>
+            </a:extLst>
+          </p:cNvPr>
+          <p:cNvPicPr>
+            <a:picLocks noChangeAspect="1"/>
+          </p:cNvPicPr>
           <p:nvPr/>
-        </p:nvSpPr>
-        <p:spPr>
-          <a:xfrm>
-            <a:off x="6393710" y="2984439"/>
-            <a:ext cx="3123777" cy="1938992"/>
-          </a:xfrm>
-          <a:prstGeom prst="rect">
-            <a:avLst/>
+        </p:nvPicPr>
+        <p:blipFill>
+          <a:blip r:embed="rId3"/>
+          <a:stretch>
+            <a:fillRect/>
+          </a:stretch>
+        </p:blipFill>
+        <p:spPr>
+          <a:xfrm>
+            <a:off x="3790832" y="2789864"/>
+            <a:ext cx="6572325" cy="3158330"/>
+          </a:xfrm>
+          <a:prstGeom prst="roundRect">
+            <a:avLst>
+              <a:gd name="adj" fmla="val 16667"/>
+            </a:avLst>
           </a:prstGeom>
-          <a:noFill/>
-        </p:spPr>
-        <p:txBody>
-          <a:bodyPr wrap="square" rtlCol="0">
-            <a:spAutoFit/>
-          </a:bodyPr>
-          <a:lstStyle/>
-          <a:p>
-            <a:pPr algn="r"/>
-            <a:r>
-              <a:rPr lang="pt-BR" sz="3000" dirty="0">
-                <a:solidFill>
-                  <a:schemeClr val="bg1"/>
-                </a:solidFill>
-                <a:latin typeface="Arial Narrow" panose="020B0606020202030204" pitchFamily="34" charset="0"/>
-              </a:rPr>
-              <a:t>Disciplinas: </a:t>
-            </a:r>
-          </a:p>
-          <a:p>
-            <a:pPr algn="r"/>
-            <a:endParaRPr lang="pt-BR" sz="3000" dirty="0">
-              <a:solidFill>
-                <a:schemeClr val="bg1"/>
-              </a:solidFill>
-              <a:latin typeface="Arial Narrow" panose="020B0606020202030204" pitchFamily="34" charset="0"/>
-            </a:endParaRPr>
-          </a:p>
-          <a:p>
-            <a:pPr algn="r"/>
-            <a:r>
-              <a:rPr lang="pt-BR" sz="3000" dirty="0">
-                <a:solidFill>
-                  <a:schemeClr val="bg1"/>
-                </a:solidFill>
-                <a:latin typeface="Arial Narrow" panose="020B0606020202030204" pitchFamily="34" charset="0"/>
-              </a:rPr>
-              <a:t>Algoritmo</a:t>
-            </a:r>
-          </a:p>
-          <a:p>
-            <a:pPr algn="r"/>
-            <a:r>
-              <a:rPr lang="pt-BR" sz="3000" dirty="0">
-                <a:solidFill>
-                  <a:schemeClr val="bg1"/>
-                </a:solidFill>
-                <a:latin typeface="Arial Narrow" panose="020B0606020202030204" pitchFamily="34" charset="0"/>
-              </a:rPr>
-              <a:t>Arq. Computacional</a:t>
-            </a:r>
-          </a:p>
-        </p:txBody>
-      </p:sp>
+          <a:ln>
+            <a:noFill/>
+          </a:ln>
+          <a:effectLst>
+            <a:outerShdw blurRad="76200" dist="38100" dir="7800000" algn="tl" rotWithShape="0">
+              <a:srgbClr val="000000">
+                <a:alpha val="40000"/>
+              </a:srgbClr>
+            </a:outerShdw>
+          </a:effectLst>
+          <a:scene3d>
+            <a:camera prst="orthographicFront"/>
+            <a:lightRig rig="contrasting" dir="t">
+              <a:rot lat="0" lon="0" rev="4200000"/>
+            </a:lightRig>
+          </a:scene3d>
+          <a:sp3d prstMaterial="plastic">
+            <a:bevelT w="381000" h="114300" prst="relaxedInset"/>
+            <a:contourClr>
+              <a:srgbClr val="969696"/>
+            </a:contourClr>
+          </a:sp3d>
+        </p:spPr>
+      </p:pic>
     </p:spTree>
     <p:extLst>
       <p:ext uri="{BB962C8B-B14F-4D97-AF65-F5344CB8AC3E}">
-        <p14:creationId xmlns:p14="http://schemas.microsoft.com/office/powerpoint/2010/main" val="967266179"/>
+        <p14:creationId xmlns:p14="http://schemas.microsoft.com/office/powerpoint/2010/main" val="3835318140"/>
       </p:ext>
     </p:extLst>
   </p:cSld>
